--- a/aprs_dirint_direitoshumanos.pptx
+++ b/aprs_dirint_direitoshumanos.pptx
@@ -201,7 +201,7 @@
           <a:p>
             <a:fld id="{2DC7E742-851E-F04B-82A8-75BFB5749B92}" type="datetimeFigureOut">
               <a:rPr lang="pt-PT" smtClean="0"/>
-              <a:t>02/02/2026</a:t>
+              <a:t>03/02/2026</a:t>
             </a:fld>
             <a:endParaRPr lang="pt-PT"/>
           </a:p>
@@ -1279,7 +1279,7 @@
             <a:fld id="{B61BEF0D-F0BB-DE4B-95CE-6DB70DBA9567}" type="datetimeFigureOut">
               <a:rPr lang="en-US" dirty="0"/>
               <a:pPr/>
-              <a:t>2/2/2026</a:t>
+              <a:t>2/3/2026</a:t>
             </a:fld>
             <a:endParaRPr lang="en-US" dirty="0"/>
           </a:p>
@@ -1539,7 +1539,7 @@
             <a:fld id="{B61BEF0D-F0BB-DE4B-95CE-6DB70DBA9567}" type="datetimeFigureOut">
               <a:rPr lang="en-US" dirty="0"/>
               <a:pPr/>
-              <a:t>2/2/2026</a:t>
+              <a:t>2/3/2026</a:t>
             </a:fld>
             <a:endParaRPr lang="en-US" dirty="0"/>
           </a:p>
@@ -1862,7 +1862,7 @@
             <a:fld id="{B61BEF0D-F0BB-DE4B-95CE-6DB70DBA9567}" type="datetimeFigureOut">
               <a:rPr lang="en-US" dirty="0"/>
               <a:pPr/>
-              <a:t>2/2/2026</a:t>
+              <a:t>2/3/2026</a:t>
             </a:fld>
             <a:endParaRPr lang="en-US" dirty="0"/>
           </a:p>
@@ -2212,7 +2212,7 @@
             <a:fld id="{B61BEF0D-F0BB-DE4B-95CE-6DB70DBA9567}" type="datetimeFigureOut">
               <a:rPr lang="en-US" dirty="0"/>
               <a:pPr/>
-              <a:t>2/2/2026</a:t>
+              <a:t>2/3/2026</a:t>
             </a:fld>
             <a:endParaRPr lang="en-US" dirty="0"/>
           </a:p>
@@ -2535,7 +2535,7 @@
             <a:fld id="{B61BEF0D-F0BB-DE4B-95CE-6DB70DBA9567}" type="datetimeFigureOut">
               <a:rPr lang="en-US" dirty="0"/>
               <a:pPr/>
-              <a:t>2/2/2026</a:t>
+              <a:t>2/3/2026</a:t>
             </a:fld>
             <a:endParaRPr lang="en-US" dirty="0"/>
           </a:p>
@@ -2937,7 +2937,7 @@
             <a:fld id="{B61BEF0D-F0BB-DE4B-95CE-6DB70DBA9567}" type="datetimeFigureOut">
               <a:rPr lang="en-US" dirty="0"/>
               <a:pPr/>
-              <a:t>2/2/2026</a:t>
+              <a:t>2/3/2026</a:t>
             </a:fld>
             <a:endParaRPr lang="en-US" dirty="0"/>
           </a:p>
@@ -3115,7 +3115,7 @@
           <a:p>
             <a:fld id="{55C6B4A9-1611-4792-9094-5F34BCA07E0B}" type="datetimeFigureOut">
               <a:rPr lang="en-US" dirty="0"/>
-              <a:t>2/2/2026</a:t>
+              <a:t>2/3/2026</a:t>
             </a:fld>
             <a:endParaRPr lang="en-US" dirty="0"/>
           </a:p>
@@ -3303,7 +3303,7 @@
             <a:fld id="{B61BEF0D-F0BB-DE4B-95CE-6DB70DBA9567}" type="datetimeFigureOut">
               <a:rPr lang="en-US" dirty="0"/>
               <a:pPr/>
-              <a:t>2/2/2026</a:t>
+              <a:t>2/3/2026</a:t>
             </a:fld>
             <a:endParaRPr lang="en-US" dirty="0"/>
           </a:p>
@@ -3488,7 +3488,7 @@
             <a:fld id="{B61BEF0D-F0BB-DE4B-95CE-6DB70DBA9567}" type="datetimeFigureOut">
               <a:rPr lang="en-US" dirty="0"/>
               <a:pPr/>
-              <a:t>2/2/2026</a:t>
+              <a:t>2/3/2026</a:t>
             </a:fld>
             <a:endParaRPr lang="en-US" dirty="0"/>
           </a:p>
@@ -3744,7 +3744,7 @@
             <a:fld id="{B61BEF0D-F0BB-DE4B-95CE-6DB70DBA9567}" type="datetimeFigureOut">
               <a:rPr lang="en-US" dirty="0"/>
               <a:pPr/>
-              <a:t>2/2/2026</a:t>
+              <a:t>2/3/2026</a:t>
             </a:fld>
             <a:endParaRPr lang="en-US" dirty="0"/>
           </a:p>
@@ -3984,7 +3984,7 @@
           <a:p>
             <a:fld id="{EB712588-04B1-427B-82EE-E8DB90309F08}" type="datetimeFigureOut">
               <a:rPr lang="en-US" dirty="0"/>
-              <a:t>2/2/2026</a:t>
+              <a:t>2/3/2026</a:t>
             </a:fld>
             <a:endParaRPr lang="en-US" dirty="0"/>
           </a:p>
@@ -4366,7 +4366,7 @@
             <a:fld id="{B61BEF0D-F0BB-DE4B-95CE-6DB70DBA9567}" type="datetimeFigureOut">
               <a:rPr lang="en-US" dirty="0"/>
               <a:pPr/>
-              <a:t>2/2/2026</a:t>
+              <a:t>2/3/2026</a:t>
             </a:fld>
             <a:endParaRPr lang="en-US" dirty="0"/>
           </a:p>
@@ -4498,7 +4498,7 @@
             <a:fld id="{B61BEF0D-F0BB-DE4B-95CE-6DB70DBA9567}" type="datetimeFigureOut">
               <a:rPr lang="en-US" dirty="0"/>
               <a:pPr/>
-              <a:t>2/2/2026</a:t>
+              <a:t>2/3/2026</a:t>
             </a:fld>
             <a:endParaRPr lang="en-US" dirty="0"/>
           </a:p>
@@ -4602,7 +4602,7 @@
             <a:fld id="{B61BEF0D-F0BB-DE4B-95CE-6DB70DBA9567}" type="datetimeFigureOut">
               <a:rPr lang="en-US" dirty="0"/>
               <a:pPr/>
-              <a:t>2/2/2026</a:t>
+              <a:t>2/3/2026</a:t>
             </a:fld>
             <a:endParaRPr lang="en-US" dirty="0"/>
           </a:p>
@@ -4865,7 +4865,7 @@
           <a:p>
             <a:fld id="{42A54C80-263E-416B-A8E0-580EDEADCBDC}" type="datetimeFigureOut">
               <a:rPr lang="en-US" dirty="0"/>
-              <a:t>2/2/2026</a:t>
+              <a:t>2/3/2026</a:t>
             </a:fld>
             <a:endParaRPr lang="en-US" dirty="0"/>
           </a:p>
@@ -5136,7 +5136,7 @@
             <a:fld id="{B61BEF0D-F0BB-DE4B-95CE-6DB70DBA9567}" type="datetimeFigureOut">
               <a:rPr lang="en-US" dirty="0"/>
               <a:pPr/>
-              <a:t>2/2/2026</a:t>
+              <a:t>2/3/2026</a:t>
             </a:fld>
             <a:endParaRPr lang="en-US" dirty="0"/>
           </a:p>
@@ -5888,7 +5888,7 @@
             <a:fld id="{B61BEF0D-F0BB-DE4B-95CE-6DB70DBA9567}" type="datetimeFigureOut">
               <a:rPr lang="en-US" dirty="0"/>
               <a:pPr/>
-              <a:t>2/2/2026</a:t>
+              <a:t>2/3/2026</a:t>
             </a:fld>
             <a:endParaRPr lang="en-US" dirty="0"/>
           </a:p>
@@ -7294,7 +7294,7 @@
                   <a:schemeClr val="bg1"/>
                 </a:solidFill>
               </a:rPr>
-              <a:t>Introdução Os Direitos Humanos constituem um dos pilares fundamentais do Direito Internacional Público contemporâneo, representando um conjunto de valores universais voltados à proteção da dignidade inerente a toda pessoa humana. A sua inserção no plano internacional reflete a evolução da consciência jurídica global pós-Segunda Guerra Mundial, marcada pela rejeição às atrocidades então cometidas e pela busca de um arcabouço normativo que transcendesse as fronteiras estatais. A relevância do tema justifica-se não apenas pela sua dimensão ética e humanitária, mas também pelo seu caráter jurídico vinculante, que impõe obrigações aos Estados e confere direitos aos indivíduos perante a comunidade internacional. Este trabalho tem como objetivo geral analisar a inserção, natureza e mecanismos de proteção dos Direitos Humanos no âmbito do Direito Internacional Público. Objetivos específicos incluem: Examinar o conceito e a evolução histórica dos Direitos Humanos; investigar a sua natureza jurídica e princípios fundamentais no ordenamento internacional; descrever os sistemas globais e regionais de proteção; avaliar os mecanismos de garantia e fiscalização; discutir a responsabilidade internacional dos Estados por violações; e identificar os desafios contemporâneos à sua efetivação. A metodologia adotada é qualitativa, baseada em revisão bibliográfica de doutrina especializada, análise de tratados e documentos internacionais, e estudo de casos emblemáticos da jurisprudência internacional.</a:t>
+              <a:t>Os Direitos Humanos constituem um dos pilares fundamentais do Direito Internacional Público contemporâneo, representando um conjunto de valores universais voltados à proteção da dignidade inerente a toda pessoa humana. A sua inserção no plano internacional reflete a evolução da consciência jurídica global pós-Segunda Guerra Mundial, marcada pela rejeição às atrocidades então cometidas e pela busca de um arcabouço normativo que transcendesse as fronteiras estatais. A relevância do tema justifica-se não apenas pela sua dimensão ética e humanitária, mas também pelo seu caráter jurídico vinculante, que impõe obrigações aos Estados e confere direitos aos indivíduos perante a comunidade internacional. Este trabalho tem como objetivo geral analisar a inserção, natureza e mecanismos de proteção dos Direitos Humanos no âmbito do Direito Internacional Público. Objetivos específicos incluem: Examinar o conceito e a evolução histórica dos Direitos Humanos; investigar a sua natureza jurídica e princípios fundamentais no ordenamento internacional; descrever os sistemas globais e regionais de proteção; avaliar os mecanismos de garantia e fiscalização; discutir a responsabilidade internacional dos Estados por violações; e identificar os desafios contemporâneos à sua efetivação. A metodologia adotada é qualitativa, baseada em revisão bibliográfica de doutrina especializada, análise de tratados e documentos internacionais, e estudo de casos emblemáticos da jurisprudência internacional.</a:t>
             </a:r>
           </a:p>
         </p:txBody>
@@ -9401,62 +9401,6 @@
         <p:spPr>
           <a:xfrm>
             <a:off x="254793" y="4269964"/>
-            <a:ext cx="11633598" cy="1015663"/>
-          </a:xfrm>
-          <a:prstGeom prst="rect">
-            <a:avLst/>
-          </a:prstGeom>
-          <a:noFill/>
-        </p:spPr>
-        <p:txBody>
-          <a:bodyPr wrap="square" rtlCol="0">
-            <a:spAutoFit/>
-          </a:bodyPr>
-          <a:lstStyle/>
-          <a:p>
-            <a:pPr algn="just"/>
-            <a:r>
-              <a:rPr lang="pt-PT" sz="2000" dirty="0">
-                <a:solidFill>
-                  <a:schemeClr val="bg1"/>
-                </a:solidFill>
-              </a:rPr>
-              <a:t>•</a:t>
-            </a:r>
-            <a:r>
-              <a:rPr lang="pt-PT" sz="2000" dirty="0">
-                <a:solidFill>
-                  <a:schemeClr val="accent1"/>
-                </a:solidFill>
-              </a:rPr>
-              <a:t> Resistência à opressão e sacrifício pessoal:</a:t>
-            </a:r>
-            <a:r>
-              <a:rPr lang="pt-PT" sz="2000" dirty="0">
-                <a:solidFill>
-                  <a:schemeClr val="bg1"/>
-                </a:solidFill>
-              </a:rPr>
-              <a:t> Ele passou 27 anos preso por lutar contra um regime injusto. Mesmo assim, manteve o compromisso com a justiça e mostrou ao mundo que a defesa dos Direitos Humanos muitas vezes exige sacrifício pessoal.</a:t>
-            </a:r>
-          </a:p>
-        </p:txBody>
-      </p:sp>
-      <p:sp>
-        <p:nvSpPr>
-          <p:cNvPr id="12" name="CaixaDeTexto 11">
-            <a:extLst>
-              <a:ext uri="{FF2B5EF4-FFF2-40B4-BE49-F238E27FC236}">
-                <a16:creationId xmlns:a16="http://schemas.microsoft.com/office/drawing/2014/main" id="{36238CB4-0000-315C-C9BC-852E2A800E9A}"/>
-              </a:ext>
-            </a:extLst>
-          </p:cNvPr>
-          <p:cNvSpPr txBox="1"/>
-          <p:nvPr/>
-        </p:nvSpPr>
-        <p:spPr>
-          <a:xfrm>
-            <a:off x="205119" y="5337107"/>
             <a:ext cx="11633598" cy="1015663"/>
           </a:xfrm>
           <a:prstGeom prst="rect">
@@ -9983,97 +9927,6 @@
                       </p:childTnLst>
                     </p:cTn>
                   </p:par>
-                  <p:par>
-                    <p:cTn id="33" fill="hold">
-                      <p:stCondLst>
-                        <p:cond delay="indefinite"/>
-                      </p:stCondLst>
-                      <p:childTnLst>
-                        <p:par>
-                          <p:cTn id="34" fill="hold">
-                            <p:stCondLst>
-                              <p:cond delay="0"/>
-                            </p:stCondLst>
-                            <p:childTnLst>
-                              <p:par>
-                                <p:cTn id="35" presetID="2" presetClass="entr" presetSubtype="4" fill="hold" grpId="0" nodeType="clickEffect">
-                                  <p:stCondLst>
-                                    <p:cond delay="0"/>
-                                  </p:stCondLst>
-                                  <p:childTnLst>
-                                    <p:set>
-                                      <p:cBhvr>
-                                        <p:cTn id="36" dur="1" fill="hold">
-                                          <p:stCondLst>
-                                            <p:cond delay="0"/>
-                                          </p:stCondLst>
-                                        </p:cTn>
-                                        <p:tgtEl>
-                                          <p:spTgt spid="12"/>
-                                        </p:tgtEl>
-                                        <p:attrNameLst>
-                                          <p:attrName>style.visibility</p:attrName>
-                                        </p:attrNameLst>
-                                      </p:cBhvr>
-                                      <p:to>
-                                        <p:strVal val="visible"/>
-                                      </p:to>
-                                    </p:set>
-                                    <p:anim calcmode="lin" valueType="num">
-                                      <p:cBhvr additive="base">
-                                        <p:cTn id="37" dur="500" fill="hold"/>
-                                        <p:tgtEl>
-                                          <p:spTgt spid="12"/>
-                                        </p:tgtEl>
-                                        <p:attrNameLst>
-                                          <p:attrName>ppt_x</p:attrName>
-                                        </p:attrNameLst>
-                                      </p:cBhvr>
-                                      <p:tavLst>
-                                        <p:tav tm="0">
-                                          <p:val>
-                                            <p:strVal val="#ppt_x"/>
-                                          </p:val>
-                                        </p:tav>
-                                        <p:tav tm="100000">
-                                          <p:val>
-                                            <p:strVal val="#ppt_x"/>
-                                          </p:val>
-                                        </p:tav>
-                                      </p:tavLst>
-                                    </p:anim>
-                                    <p:anim calcmode="lin" valueType="num">
-                                      <p:cBhvr additive="base">
-                                        <p:cTn id="38" dur="500" fill="hold"/>
-                                        <p:tgtEl>
-                                          <p:spTgt spid="12"/>
-                                        </p:tgtEl>
-                                        <p:attrNameLst>
-                                          <p:attrName>ppt_y</p:attrName>
-                                        </p:attrNameLst>
-                                      </p:cBhvr>
-                                      <p:tavLst>
-                                        <p:tav tm="0">
-                                          <p:val>
-                                            <p:strVal val="1+#ppt_h/2"/>
-                                          </p:val>
-                                        </p:tav>
-                                        <p:tav tm="100000">
-                                          <p:val>
-                                            <p:strVal val="#ppt_y"/>
-                                          </p:val>
-                                        </p:tav>
-                                      </p:tavLst>
-                                    </p:anim>
-                                  </p:childTnLst>
-                                </p:cTn>
-                              </p:par>
-                            </p:childTnLst>
-                          </p:cTn>
-                        </p:par>
-                      </p:childTnLst>
-                    </p:cTn>
-                  </p:par>
                 </p:childTnLst>
               </p:cTn>
               <p:prevCondLst>
@@ -10101,7 +9954,6 @@
       <p:bldP spid="2" grpId="0"/>
       <p:bldP spid="8" grpId="0"/>
       <p:bldP spid="10" grpId="0"/>
-      <p:bldP spid="12" grpId="0"/>
     </p:bldLst>
   </p:timing>
 </p:sld>
